--- a/Nava/FIT.YOUR.SEAT.pptx
+++ b/Nava/FIT.YOUR.SEAT.pptx
@@ -107,6 +107,22 @@
       </a:defRPr>
     </a:lvl9pPr>
   </p:defaultTextStyle>
+  <p:extLst>
+    <p:ext uri="{EFAFB233-063F-42B5-8137-9DF3F51BA10A}">
+      <p15:sldGuideLst xmlns:p15="http://schemas.microsoft.com/office/powerpoint/2012/main">
+        <p15:guide id="1" orient="horz" pos="2160">
+          <p15:clr>
+            <a:srgbClr val="A4A3A4"/>
+          </p15:clr>
+        </p15:guide>
+        <p15:guide id="2" pos="2880">
+          <p15:clr>
+            <a:srgbClr val="A4A3A4"/>
+          </p15:clr>
+        </p15:guide>
+      </p15:sldGuideLst>
+    </p:ext>
+  </p:extLst>
 </p:presentation>
 </file>
 
@@ -1314,530 +1330,6 @@
       <dsp:cNvGrpSpPr/>
     </dsp:nvGrpSpPr>
     <dsp:grpSpPr/>
-    <dsp:sp modelId="{5A9CF2BA-396F-49EE-BAAD-2556EE87FA59}">
-      <dsp:nvSpPr>
-        <dsp:cNvPr id="0" name=""/>
-        <dsp:cNvSpPr/>
-      </dsp:nvSpPr>
-      <dsp:spPr>
-        <a:xfrm rot="5400000">
-          <a:off x="1061277" y="1335797"/>
-          <a:ext cx="1181397" cy="1344979"/>
-        </a:xfrm>
-        <a:prstGeom prst="bentUpArrow">
-          <a:avLst>
-            <a:gd name="adj1" fmla="val 32840"/>
-            <a:gd name="adj2" fmla="val 25000"/>
-            <a:gd name="adj3" fmla="val 35780"/>
-          </a:avLst>
-        </a:prstGeom>
-        <a:solidFill>
-          <a:schemeClr val="accent1">
-            <a:tint val="50000"/>
-            <a:hueOff val="0"/>
-            <a:satOff val="0"/>
-            <a:lumOff val="0"/>
-            <a:alphaOff val="0"/>
-          </a:schemeClr>
-        </a:solidFill>
-        <a:ln w="25400" cap="flat" cmpd="sng" algn="ctr">
-          <a:solidFill>
-            <a:schemeClr val="lt1">
-              <a:hueOff val="0"/>
-              <a:satOff val="0"/>
-              <a:lumOff val="0"/>
-              <a:alphaOff val="0"/>
-            </a:schemeClr>
-          </a:solidFill>
-          <a:prstDash val="solid"/>
-        </a:ln>
-        <a:effectLst/>
-      </dsp:spPr>
-      <dsp:style>
-        <a:lnRef idx="2">
-          <a:scrgbClr r="0" g="0" b="0"/>
-        </a:lnRef>
-        <a:fillRef idx="1">
-          <a:scrgbClr r="0" g="0" b="0"/>
-        </a:fillRef>
-        <a:effectRef idx="0">
-          <a:scrgbClr r="0" g="0" b="0"/>
-        </a:effectRef>
-        <a:fontRef idx="minor"/>
-      </dsp:style>
-    </dsp:sp>
-    <dsp:sp modelId="{98488BD0-E768-4869-BFA2-AE1AFA9E5CB0}">
-      <dsp:nvSpPr>
-        <dsp:cNvPr id="0" name=""/>
-        <dsp:cNvSpPr/>
-      </dsp:nvSpPr>
-      <dsp:spPr>
-        <a:xfrm>
-          <a:off x="748278" y="26194"/>
-          <a:ext cx="1988778" cy="1392080"/>
-        </a:xfrm>
-        <a:prstGeom prst="roundRect">
-          <a:avLst>
-            <a:gd name="adj" fmla="val 16670"/>
-          </a:avLst>
-        </a:prstGeom>
-        <a:solidFill>
-          <a:schemeClr val="accent1">
-            <a:hueOff val="0"/>
-            <a:satOff val="0"/>
-            <a:lumOff val="0"/>
-            <a:alphaOff val="0"/>
-          </a:schemeClr>
-        </a:solidFill>
-        <a:ln w="25400" cap="flat" cmpd="sng" algn="ctr">
-          <a:solidFill>
-            <a:schemeClr val="lt1">
-              <a:hueOff val="0"/>
-              <a:satOff val="0"/>
-              <a:lumOff val="0"/>
-              <a:alphaOff val="0"/>
-            </a:schemeClr>
-          </a:solidFill>
-          <a:prstDash val="solid"/>
-        </a:ln>
-        <a:effectLst/>
-      </dsp:spPr>
-      <dsp:style>
-        <a:lnRef idx="2">
-          <a:scrgbClr r="0" g="0" b="0"/>
-        </a:lnRef>
-        <a:fillRef idx="1">
-          <a:scrgbClr r="0" g="0" b="0"/>
-        </a:fillRef>
-        <a:effectRef idx="0">
-          <a:scrgbClr r="0" g="0" b="0"/>
-        </a:effectRef>
-        <a:fontRef idx="minor">
-          <a:schemeClr val="lt1"/>
-        </a:fontRef>
-      </dsp:style>
-      <dsp:txBody>
-        <a:bodyPr spcFirstLastPara="0" vert="horz" wrap="square" lIns="137160" tIns="137160" rIns="137160" bIns="137160" numCol="1" spcCol="1270" anchor="ctr" anchorCtr="0">
-          <a:noAutofit/>
-        </a:bodyPr>
-        <a:lstStyle/>
-        <a:p>
-          <a:pPr lvl="0" algn="ctr" defTabSz="1600200" rtl="1">
-            <a:lnSpc>
-              <a:spcPct val="90000"/>
-            </a:lnSpc>
-            <a:spcBef>
-              <a:spcPct val="0"/>
-            </a:spcBef>
-            <a:spcAft>
-              <a:spcPct val="35000"/>
-            </a:spcAft>
-          </a:pPr>
-          <a:r>
-            <a:rPr lang="he-IL" sz="3600" kern="1200" dirty="0" smtClean="0"/>
-            <a:t>בחירת הופעה</a:t>
-          </a:r>
-          <a:endParaRPr lang="he-IL" sz="3600" kern="1200" dirty="0"/>
-        </a:p>
-      </dsp:txBody>
-      <dsp:txXfrm>
-        <a:off x="816246" y="94162"/>
-        <a:ext cx="1852842" cy="1256144"/>
-      </dsp:txXfrm>
-    </dsp:sp>
-    <dsp:sp modelId="{398CA1BD-FA5B-4C80-A928-557940C72784}">
-      <dsp:nvSpPr>
-        <dsp:cNvPr id="0" name=""/>
-        <dsp:cNvSpPr/>
-      </dsp:nvSpPr>
-      <dsp:spPr>
-        <a:xfrm>
-          <a:off x="2737056" y="158961"/>
-          <a:ext cx="1446447" cy="1125140"/>
-        </a:xfrm>
-        <a:prstGeom prst="rect">
-          <a:avLst/>
-        </a:prstGeom>
-        <a:noFill/>
-        <a:ln>
-          <a:noFill/>
-        </a:ln>
-        <a:effectLst/>
-      </dsp:spPr>
-      <dsp:style>
-        <a:lnRef idx="0">
-          <a:scrgbClr r="0" g="0" b="0"/>
-        </a:lnRef>
-        <a:fillRef idx="0">
-          <a:scrgbClr r="0" g="0" b="0"/>
-        </a:fillRef>
-        <a:effectRef idx="0">
-          <a:scrgbClr r="0" g="0" b="0"/>
-        </a:effectRef>
-        <a:fontRef idx="minor"/>
-      </dsp:style>
-      <dsp:txBody>
-        <a:bodyPr spcFirstLastPara="0" vert="horz" wrap="square" lIns="106680" tIns="106680" rIns="106680" bIns="106680" numCol="1" spcCol="1270" anchor="ctr" anchorCtr="0">
-          <a:noAutofit/>
-        </a:bodyPr>
-        <a:lstStyle/>
-        <a:p>
-          <a:pPr marL="228600" lvl="1" indent="-228600" algn="r" defTabSz="977900" rtl="1">
-            <a:lnSpc>
-              <a:spcPct val="90000"/>
-            </a:lnSpc>
-            <a:spcBef>
-              <a:spcPct val="0"/>
-            </a:spcBef>
-            <a:spcAft>
-              <a:spcPct val="15000"/>
-            </a:spcAft>
-            <a:buChar char="••"/>
-          </a:pPr>
-          <a:r>
-            <a:rPr lang="he-IL" sz="2200" kern="1200" dirty="0" smtClean="0"/>
-            <a:t>הצגת רשימת אירועים</a:t>
-          </a:r>
-          <a:endParaRPr lang="he-IL" sz="2200" kern="1200" dirty="0"/>
-        </a:p>
-      </dsp:txBody>
-      <dsp:txXfrm>
-        <a:off x="2737056" y="158961"/>
-        <a:ext cx="1446447" cy="1125140"/>
-      </dsp:txXfrm>
-    </dsp:sp>
-    <dsp:sp modelId="{EDA13B0A-EAF4-4A7C-B7B3-A5003145ABC8}">
-      <dsp:nvSpPr>
-        <dsp:cNvPr id="0" name=""/>
-        <dsp:cNvSpPr/>
-      </dsp:nvSpPr>
-      <dsp:spPr>
-        <a:xfrm rot="5400000">
-          <a:off x="2710185" y="2899562"/>
-          <a:ext cx="1181397" cy="1344979"/>
-        </a:xfrm>
-        <a:prstGeom prst="bentUpArrow">
-          <a:avLst>
-            <a:gd name="adj1" fmla="val 32840"/>
-            <a:gd name="adj2" fmla="val 25000"/>
-            <a:gd name="adj3" fmla="val 35780"/>
-          </a:avLst>
-        </a:prstGeom>
-        <a:solidFill>
-          <a:schemeClr val="accent1">
-            <a:tint val="50000"/>
-            <a:hueOff val="0"/>
-            <a:satOff val="0"/>
-            <a:lumOff val="0"/>
-            <a:alphaOff val="0"/>
-          </a:schemeClr>
-        </a:solidFill>
-        <a:ln w="25400" cap="flat" cmpd="sng" algn="ctr">
-          <a:solidFill>
-            <a:schemeClr val="lt1">
-              <a:hueOff val="0"/>
-              <a:satOff val="0"/>
-              <a:lumOff val="0"/>
-              <a:alphaOff val="0"/>
-            </a:schemeClr>
-          </a:solidFill>
-          <a:prstDash val="solid"/>
-        </a:ln>
-        <a:effectLst/>
-      </dsp:spPr>
-      <dsp:style>
-        <a:lnRef idx="2">
-          <a:scrgbClr r="0" g="0" b="0"/>
-        </a:lnRef>
-        <a:fillRef idx="1">
-          <a:scrgbClr r="0" g="0" b="0"/>
-        </a:fillRef>
-        <a:effectRef idx="0">
-          <a:scrgbClr r="0" g="0" b="0"/>
-        </a:effectRef>
-        <a:fontRef idx="minor"/>
-      </dsp:style>
-    </dsp:sp>
-    <dsp:sp modelId="{2F342B51-0906-4CB0-86D7-C9899235EF05}">
-      <dsp:nvSpPr>
-        <dsp:cNvPr id="0" name=""/>
-        <dsp:cNvSpPr/>
-      </dsp:nvSpPr>
-      <dsp:spPr>
-        <a:xfrm>
-          <a:off x="2397187" y="1589959"/>
-          <a:ext cx="1988778" cy="1392080"/>
-        </a:xfrm>
-        <a:prstGeom prst="roundRect">
-          <a:avLst>
-            <a:gd name="adj" fmla="val 16670"/>
-          </a:avLst>
-        </a:prstGeom>
-        <a:solidFill>
-          <a:schemeClr val="accent1">
-            <a:hueOff val="0"/>
-            <a:satOff val="0"/>
-            <a:lumOff val="0"/>
-            <a:alphaOff val="0"/>
-          </a:schemeClr>
-        </a:solidFill>
-        <a:ln w="25400" cap="flat" cmpd="sng" algn="ctr">
-          <a:solidFill>
-            <a:schemeClr val="lt1">
-              <a:hueOff val="0"/>
-              <a:satOff val="0"/>
-              <a:lumOff val="0"/>
-              <a:alphaOff val="0"/>
-            </a:schemeClr>
-          </a:solidFill>
-          <a:prstDash val="solid"/>
-        </a:ln>
-        <a:effectLst/>
-      </dsp:spPr>
-      <dsp:style>
-        <a:lnRef idx="2">
-          <a:scrgbClr r="0" g="0" b="0"/>
-        </a:lnRef>
-        <a:fillRef idx="1">
-          <a:scrgbClr r="0" g="0" b="0"/>
-        </a:fillRef>
-        <a:effectRef idx="0">
-          <a:scrgbClr r="0" g="0" b="0"/>
-        </a:effectRef>
-        <a:fontRef idx="minor">
-          <a:schemeClr val="lt1"/>
-        </a:fontRef>
-      </dsp:style>
-      <dsp:txBody>
-        <a:bodyPr spcFirstLastPara="0" vert="horz" wrap="square" lIns="137160" tIns="137160" rIns="137160" bIns="137160" numCol="1" spcCol="1270" anchor="ctr" anchorCtr="0">
-          <a:noAutofit/>
-        </a:bodyPr>
-        <a:lstStyle/>
-        <a:p>
-          <a:pPr lvl="0" algn="ctr" defTabSz="1600200" rtl="1">
-            <a:lnSpc>
-              <a:spcPct val="90000"/>
-            </a:lnSpc>
-            <a:spcBef>
-              <a:spcPct val="0"/>
-            </a:spcBef>
-            <a:spcAft>
-              <a:spcPct val="35000"/>
-            </a:spcAft>
-          </a:pPr>
-          <a:r>
-            <a:rPr lang="he-IL" sz="3600" kern="1200" dirty="0" smtClean="0"/>
-            <a:t>בחירת מיקום</a:t>
-          </a:r>
-          <a:endParaRPr lang="he-IL" sz="3600" kern="1200" dirty="0"/>
-        </a:p>
-      </dsp:txBody>
-      <dsp:txXfrm>
-        <a:off x="2465155" y="1657927"/>
-        <a:ext cx="1852842" cy="1256144"/>
-      </dsp:txXfrm>
-    </dsp:sp>
-    <dsp:sp modelId="{93C157E7-39D3-47B9-896C-F9A309DC6D2A}">
-      <dsp:nvSpPr>
-        <dsp:cNvPr id="0" name=""/>
-        <dsp:cNvSpPr/>
-      </dsp:nvSpPr>
-      <dsp:spPr>
-        <a:xfrm>
-          <a:off x="4385965" y="1722726"/>
-          <a:ext cx="1446447" cy="1125140"/>
-        </a:xfrm>
-        <a:prstGeom prst="rect">
-          <a:avLst/>
-        </a:prstGeom>
-        <a:noFill/>
-        <a:ln>
-          <a:noFill/>
-        </a:ln>
-        <a:effectLst/>
-      </dsp:spPr>
-      <dsp:style>
-        <a:lnRef idx="0">
-          <a:scrgbClr r="0" g="0" b="0"/>
-        </a:lnRef>
-        <a:fillRef idx="0">
-          <a:scrgbClr r="0" g="0" b="0"/>
-        </a:fillRef>
-        <a:effectRef idx="0">
-          <a:scrgbClr r="0" g="0" b="0"/>
-        </a:effectRef>
-        <a:fontRef idx="minor"/>
-      </dsp:style>
-      <dsp:txBody>
-        <a:bodyPr spcFirstLastPara="0" vert="horz" wrap="square" lIns="106680" tIns="106680" rIns="106680" bIns="106680" numCol="1" spcCol="1270" anchor="ctr" anchorCtr="0">
-          <a:noAutofit/>
-        </a:bodyPr>
-        <a:lstStyle/>
-        <a:p>
-          <a:pPr marL="228600" lvl="1" indent="-228600" algn="r" defTabSz="977900" rtl="1">
-            <a:lnSpc>
-              <a:spcPct val="90000"/>
-            </a:lnSpc>
-            <a:spcBef>
-              <a:spcPct val="0"/>
-            </a:spcBef>
-            <a:spcAft>
-              <a:spcPct val="15000"/>
-            </a:spcAft>
-            <a:buChar char="••"/>
-          </a:pPr>
-          <a:r>
-            <a:rPr lang="he-IL" sz="2200" kern="1200" dirty="0" smtClean="0"/>
-            <a:t>הצגת מיקומים פנויים</a:t>
-          </a:r>
-          <a:endParaRPr lang="he-IL" sz="2200" kern="1200" dirty="0"/>
-        </a:p>
-      </dsp:txBody>
-      <dsp:txXfrm>
-        <a:off x="4385965" y="1722726"/>
-        <a:ext cx="1446447" cy="1125140"/>
-      </dsp:txXfrm>
-    </dsp:sp>
-    <dsp:sp modelId="{1967C5E2-F750-46AB-B5D6-2E9B600E2A6C}">
-      <dsp:nvSpPr>
-        <dsp:cNvPr id="0" name=""/>
-        <dsp:cNvSpPr/>
-      </dsp:nvSpPr>
-      <dsp:spPr>
-        <a:xfrm>
-          <a:off x="4046095" y="3153725"/>
-          <a:ext cx="1988778" cy="1392080"/>
-        </a:xfrm>
-        <a:prstGeom prst="roundRect">
-          <a:avLst>
-            <a:gd name="adj" fmla="val 16670"/>
-          </a:avLst>
-        </a:prstGeom>
-        <a:solidFill>
-          <a:schemeClr val="accent1">
-            <a:hueOff val="0"/>
-            <a:satOff val="0"/>
-            <a:lumOff val="0"/>
-            <a:alphaOff val="0"/>
-          </a:schemeClr>
-        </a:solidFill>
-        <a:ln w="25400" cap="flat" cmpd="sng" algn="ctr">
-          <a:solidFill>
-            <a:schemeClr val="lt1">
-              <a:hueOff val="0"/>
-              <a:satOff val="0"/>
-              <a:lumOff val="0"/>
-              <a:alphaOff val="0"/>
-            </a:schemeClr>
-          </a:solidFill>
-          <a:prstDash val="solid"/>
-        </a:ln>
-        <a:effectLst/>
-      </dsp:spPr>
-      <dsp:style>
-        <a:lnRef idx="2">
-          <a:scrgbClr r="0" g="0" b="0"/>
-        </a:lnRef>
-        <a:fillRef idx="1">
-          <a:scrgbClr r="0" g="0" b="0"/>
-        </a:fillRef>
-        <a:effectRef idx="0">
-          <a:scrgbClr r="0" g="0" b="0"/>
-        </a:effectRef>
-        <a:fontRef idx="minor">
-          <a:schemeClr val="lt1"/>
-        </a:fontRef>
-      </dsp:style>
-      <dsp:txBody>
-        <a:bodyPr spcFirstLastPara="0" vert="horz" wrap="square" lIns="137160" tIns="137160" rIns="137160" bIns="137160" numCol="1" spcCol="1270" anchor="ctr" anchorCtr="0">
-          <a:noAutofit/>
-        </a:bodyPr>
-        <a:lstStyle/>
-        <a:p>
-          <a:pPr lvl="0" algn="ctr" defTabSz="1600200" rtl="1">
-            <a:lnSpc>
-              <a:spcPct val="90000"/>
-            </a:lnSpc>
-            <a:spcBef>
-              <a:spcPct val="0"/>
-            </a:spcBef>
-            <a:spcAft>
-              <a:spcPct val="35000"/>
-            </a:spcAft>
-          </a:pPr>
-          <a:r>
-            <a:rPr lang="he-IL" sz="3600" kern="1200" dirty="0" smtClean="0"/>
-            <a:t>רכישה</a:t>
-          </a:r>
-          <a:endParaRPr lang="he-IL" sz="3600" kern="1200" dirty="0"/>
-        </a:p>
-      </dsp:txBody>
-      <dsp:txXfrm>
-        <a:off x="4114063" y="3221693"/>
-        <a:ext cx="1852842" cy="1256144"/>
-      </dsp:txXfrm>
-    </dsp:sp>
-    <dsp:sp modelId="{35936B11-FAA8-4104-B7BE-79458297E147}">
-      <dsp:nvSpPr>
-        <dsp:cNvPr id="0" name=""/>
-        <dsp:cNvSpPr/>
-      </dsp:nvSpPr>
-      <dsp:spPr>
-        <a:xfrm>
-          <a:off x="6034873" y="3286491"/>
-          <a:ext cx="1446447" cy="1125140"/>
-        </a:xfrm>
-        <a:prstGeom prst="rect">
-          <a:avLst/>
-        </a:prstGeom>
-        <a:noFill/>
-        <a:ln>
-          <a:noFill/>
-        </a:ln>
-        <a:effectLst/>
-      </dsp:spPr>
-      <dsp:style>
-        <a:lnRef idx="0">
-          <a:scrgbClr r="0" g="0" b="0"/>
-        </a:lnRef>
-        <a:fillRef idx="0">
-          <a:scrgbClr r="0" g="0" b="0"/>
-        </a:fillRef>
-        <a:effectRef idx="0">
-          <a:scrgbClr r="0" g="0" b="0"/>
-        </a:effectRef>
-        <a:fontRef idx="minor"/>
-      </dsp:style>
-      <dsp:txBody>
-        <a:bodyPr spcFirstLastPara="0" vert="horz" wrap="square" lIns="91440" tIns="91440" rIns="91440" bIns="91440" numCol="1" spcCol="1270" anchor="ctr" anchorCtr="0">
-          <a:noAutofit/>
-        </a:bodyPr>
-        <a:lstStyle/>
-        <a:p>
-          <a:pPr marL="171450" lvl="1" indent="-171450" algn="r" defTabSz="844550" rtl="1">
-            <a:lnSpc>
-              <a:spcPct val="90000"/>
-            </a:lnSpc>
-            <a:spcBef>
-              <a:spcPct val="0"/>
-            </a:spcBef>
-            <a:spcAft>
-              <a:spcPct val="15000"/>
-            </a:spcAft>
-            <a:buChar char="••"/>
-          </a:pPr>
-          <a:r>
-            <a:rPr lang="he-IL" sz="1900" kern="1200" dirty="0" smtClean="0"/>
-            <a:t>הצגת מחיר מושב נבחר</a:t>
-          </a:r>
-          <a:endParaRPr lang="he-IL" sz="1900" kern="1200" dirty="0"/>
-        </a:p>
-      </dsp:txBody>
-      <dsp:txXfrm>
-        <a:off x="6034873" y="3286491"/>
-        <a:ext cx="1446447" cy="1125140"/>
-      </dsp:txXfrm>
-    </dsp:sp>
   </dsp:spTree>
 </dsp:drawing>
 </file>
@@ -6682,7 +6174,7 @@
         </p:spPr>
         <p:txBody>
           <a:bodyPr>
-            <a:normAutofit/>
+            <a:normAutofit lnSpcReduction="10000"/>
           </a:bodyPr>
           <a:lstStyle/>
           <a:p>
@@ -6724,7 +6216,27 @@
             <a:pPr algn="ctr"/>
             <a:r>
               <a:rPr lang="he-IL" b="1" dirty="0" smtClean="0"/>
-              <a:t>שרה חוטר 301582029</a:t>
+              <a:t>שרה חוטר </a:t>
+            </a:r>
+            <a:r>
+              <a:rPr lang="he-IL" b="1" dirty="0" smtClean="0"/>
+              <a:t>301582029</a:t>
+            </a:r>
+            <a:endParaRPr lang="en-US" b="1" dirty="0"/>
+          </a:p>
+          <a:p>
+            <a:pPr algn="ctr"/>
+            <a:r>
+              <a:rPr lang="he-IL" b="1" dirty="0" smtClean="0"/>
+              <a:t>חגית </a:t>
+            </a:r>
+            <a:r>
+              <a:rPr lang="he-IL" b="1" dirty="0" err="1" smtClean="0"/>
+              <a:t>חרלפ</a:t>
+            </a:r>
+            <a:r>
+              <a:rPr lang="he-IL" b="1" smtClean="0"/>
+              <a:t> 304879158</a:t>
             </a:r>
             <a:endParaRPr lang="he-IL" b="1" dirty="0"/>
           </a:p>
